--- a/HC/HC01/informatica1_HC01.pptx
+++ b/HC/HC01/informatica1_HC01.pptx
@@ -122,15 +122,49 @@
       </a:defRPr>
     </a:lvl9pPr>
   </p:defaultTextStyle>
+  <p:extLst>
+    <p:ext uri="{EFAFB233-063F-42B5-8137-9DF3F51BA10A}">
+      <p15:sldGuideLst xmlns:p15="http://schemas.microsoft.com/office/powerpoint/2012/main"/>
+    </p:ext>
+  </p:extLst>
 </p:presentation>
 </file>
 
 <file path=ppt/revisionInfo.xml><?xml version="1.0" encoding="utf-8"?>
 <p1510:revInfo xmlns:a="http://schemas.openxmlformats.org/drawingml/2006/main" xmlns:r="http://schemas.openxmlformats.org/officeDocument/2006/relationships" xmlns:p1510="http://schemas.microsoft.com/office/powerpoint/2015/10/main">
   <p1510:revLst>
-    <p1510:client id="{A70DA0A2-E032-8F44-932F-D27EFEF437D5}" v="748" dt="2018-09-06T08:06:54.483"/>
+    <p1510:client id="{A70DA0A2-E032-8F44-932F-D27EFEF437D5}" v="749" dt="2018-09-06T09:51:21.813"/>
   </p1510:revLst>
 </p1510:revInfo>
+</file>
+
+<file path=ppt/changesInfos/changesInfo1.xml><?xml version="1.0" encoding="utf-8"?>
+<pc:chgInfo xmlns:a="http://schemas.openxmlformats.org/drawingml/2006/main" xmlns:r="http://schemas.openxmlformats.org/officeDocument/2006/relationships" xmlns:ac="http://schemas.microsoft.com/office/drawing/2013/main/command" xmlns:pc="http://schemas.microsoft.com/office/powerpoint/2013/main/command">
+  <pc:docChgLst>
+    <pc:chgData name="Hageman J, Jurre" userId="0acd7849-4b12-4d61-a6a5-89c12690410a" providerId="ADAL" clId="{A70DA0A2-E032-8F44-932F-D27EFEF437D5}"/>
+    <pc:docChg chg="modSld">
+      <pc:chgData name="Hageman J, Jurre" userId="0acd7849-4b12-4d61-a6a5-89c12690410a" providerId="ADAL" clId="{A70DA0A2-E032-8F44-932F-D27EFEF437D5}" dt="2018-09-06T09:51:21.813" v="0" actId="6549"/>
+      <pc:docMkLst>
+        <pc:docMk/>
+      </pc:docMkLst>
+      <pc:sldChg chg="modSp">
+        <pc:chgData name="Hageman J, Jurre" userId="0acd7849-4b12-4d61-a6a5-89c12690410a" providerId="ADAL" clId="{A70DA0A2-E032-8F44-932F-D27EFEF437D5}" dt="2018-09-06T09:51:21.813" v="0" actId="6549"/>
+        <pc:sldMkLst>
+          <pc:docMk/>
+          <pc:sldMk cId="776787584" sldId="260"/>
+        </pc:sldMkLst>
+        <pc:spChg chg="mod">
+          <ac:chgData name="Hageman J, Jurre" userId="0acd7849-4b12-4d61-a6a5-89c12690410a" providerId="ADAL" clId="{A70DA0A2-E032-8F44-932F-D27EFEF437D5}" dt="2018-09-06T09:51:21.813" v="0" actId="6549"/>
+          <ac:spMkLst>
+            <pc:docMk/>
+            <pc:sldMk cId="776787584" sldId="260"/>
+            <ac:spMk id="4" creationId="{1088C6C3-0C93-E149-A906-BFDA28944EEE}"/>
+          </ac:spMkLst>
+        </pc:spChg>
+      </pc:sldChg>
+    </pc:docChg>
+  </pc:docChgLst>
+</pc:chgInfo>
 </file>
 
 <file path=ppt/slideLayouts/slideLayout1.xml><?xml version="1.0" encoding="utf-8"?>
@@ -5202,7 +5236,23 @@
                   <a:schemeClr val="bg1"/>
                 </a:solidFill>
               </a:rPr>
-              <a:t>In jaar drie binnen lessen bezig met problemen uit de praktijk.</a:t>
+              <a:t>In jaar </a:t>
+            </a:r>
+            <a:r>
+              <a:rPr lang="nl-NL" sz="2800">
+                <a:solidFill>
+                  <a:schemeClr val="bg1"/>
+                </a:solidFill>
+              </a:rPr>
+              <a:t>drie bezig </a:t>
+            </a:r>
+            <a:r>
+              <a:rPr lang="nl-NL" sz="2800" dirty="0">
+                <a:solidFill>
+                  <a:schemeClr val="bg1"/>
+                </a:solidFill>
+              </a:rPr>
+              <a:t>met problemen uit de praktijk.</a:t>
             </a:r>
           </a:p>
           <a:p>
